--- a/2. Semester/Konfigurationsmanagement/exercise2/exercise2 config.pptx
+++ b/2. Semester/Konfigurationsmanagement/exercise2/exercise2 config.pptx
@@ -8,6 +8,17 @@
     <p:sldId id="256" r:id="rId2"/>
     <p:sldId id="257" r:id="rId3"/>
     <p:sldId id="258" r:id="rId4"/>
+    <p:sldId id="259" r:id="rId5"/>
+    <p:sldId id="260" r:id="rId6"/>
+    <p:sldId id="261" r:id="rId7"/>
+    <p:sldId id="262" r:id="rId8"/>
+    <p:sldId id="263" r:id="rId9"/>
+    <p:sldId id="264" r:id="rId10"/>
+    <p:sldId id="265" r:id="rId11"/>
+    <p:sldId id="266" r:id="rId12"/>
+    <p:sldId id="267" r:id="rId13"/>
+    <p:sldId id="268" r:id="rId14"/>
+    <p:sldId id="269" r:id="rId15"/>
   </p:sldIdLst>
   <p:sldSz cx="12192000" cy="6858000"/>
   <p:notesSz cx="6858000" cy="9144000"/>
@@ -106,6 +117,11 @@
       </a:defRPr>
     </a:lvl9pPr>
   </p:defaultTextStyle>
+  <p:extLst>
+    <p:ext uri="{EFAFB233-063F-42B5-8137-9DF3F51BA10A}">
+      <p15:sldGuideLst xmlns:p15="http://schemas.microsoft.com/office/powerpoint/2012/main"/>
+    </p:ext>
+  </p:extLst>
 </p:presentation>
 </file>
 
@@ -258,7 +274,7 @@
           <a:p>
             <a:fld id="{DEBE4B83-76FA-4A70-BE6E-9AC40238BAEE}" type="datetimeFigureOut">
               <a:rPr lang="de-AT" smtClean="0"/>
-              <a:t>05.03.2024</a:t>
+              <a:t>07.03.2024</a:t>
             </a:fld>
             <a:endParaRPr lang="de-AT"/>
           </a:p>
@@ -458,7 +474,7 @@
           <a:p>
             <a:fld id="{DEBE4B83-76FA-4A70-BE6E-9AC40238BAEE}" type="datetimeFigureOut">
               <a:rPr lang="de-AT" smtClean="0"/>
-              <a:t>05.03.2024</a:t>
+              <a:t>07.03.2024</a:t>
             </a:fld>
             <a:endParaRPr lang="de-AT"/>
           </a:p>
@@ -668,7 +684,7 @@
           <a:p>
             <a:fld id="{DEBE4B83-76FA-4A70-BE6E-9AC40238BAEE}" type="datetimeFigureOut">
               <a:rPr lang="de-AT" smtClean="0"/>
-              <a:t>05.03.2024</a:t>
+              <a:t>07.03.2024</a:t>
             </a:fld>
             <a:endParaRPr lang="de-AT"/>
           </a:p>
@@ -868,7 +884,7 @@
           <a:p>
             <a:fld id="{DEBE4B83-76FA-4A70-BE6E-9AC40238BAEE}" type="datetimeFigureOut">
               <a:rPr lang="de-AT" smtClean="0"/>
-              <a:t>05.03.2024</a:t>
+              <a:t>07.03.2024</a:t>
             </a:fld>
             <a:endParaRPr lang="de-AT"/>
           </a:p>
@@ -1144,7 +1160,7 @@
           <a:p>
             <a:fld id="{DEBE4B83-76FA-4A70-BE6E-9AC40238BAEE}" type="datetimeFigureOut">
               <a:rPr lang="de-AT" smtClean="0"/>
-              <a:t>05.03.2024</a:t>
+              <a:t>07.03.2024</a:t>
             </a:fld>
             <a:endParaRPr lang="de-AT"/>
           </a:p>
@@ -1412,7 +1428,7 @@
           <a:p>
             <a:fld id="{DEBE4B83-76FA-4A70-BE6E-9AC40238BAEE}" type="datetimeFigureOut">
               <a:rPr lang="de-AT" smtClean="0"/>
-              <a:t>05.03.2024</a:t>
+              <a:t>07.03.2024</a:t>
             </a:fld>
             <a:endParaRPr lang="de-AT"/>
           </a:p>
@@ -1827,7 +1843,7 @@
           <a:p>
             <a:fld id="{DEBE4B83-76FA-4A70-BE6E-9AC40238BAEE}" type="datetimeFigureOut">
               <a:rPr lang="de-AT" smtClean="0"/>
-              <a:t>05.03.2024</a:t>
+              <a:t>07.03.2024</a:t>
             </a:fld>
             <a:endParaRPr lang="de-AT"/>
           </a:p>
@@ -1969,7 +1985,7 @@
           <a:p>
             <a:fld id="{DEBE4B83-76FA-4A70-BE6E-9AC40238BAEE}" type="datetimeFigureOut">
               <a:rPr lang="de-AT" smtClean="0"/>
-              <a:t>05.03.2024</a:t>
+              <a:t>07.03.2024</a:t>
             </a:fld>
             <a:endParaRPr lang="de-AT"/>
           </a:p>
@@ -2082,7 +2098,7 @@
           <a:p>
             <a:fld id="{DEBE4B83-76FA-4A70-BE6E-9AC40238BAEE}" type="datetimeFigureOut">
               <a:rPr lang="de-AT" smtClean="0"/>
-              <a:t>05.03.2024</a:t>
+              <a:t>07.03.2024</a:t>
             </a:fld>
             <a:endParaRPr lang="de-AT"/>
           </a:p>
@@ -2395,7 +2411,7 @@
           <a:p>
             <a:fld id="{DEBE4B83-76FA-4A70-BE6E-9AC40238BAEE}" type="datetimeFigureOut">
               <a:rPr lang="de-AT" smtClean="0"/>
-              <a:t>05.03.2024</a:t>
+              <a:t>07.03.2024</a:t>
             </a:fld>
             <a:endParaRPr lang="de-AT"/>
           </a:p>
@@ -2684,7 +2700,7 @@
           <a:p>
             <a:fld id="{DEBE4B83-76FA-4A70-BE6E-9AC40238BAEE}" type="datetimeFigureOut">
               <a:rPr lang="de-AT" smtClean="0"/>
-              <a:t>05.03.2024</a:t>
+              <a:t>07.03.2024</a:t>
             </a:fld>
             <a:endParaRPr lang="de-AT"/>
           </a:p>
@@ -2927,7 +2943,7 @@
           <a:p>
             <a:fld id="{DEBE4B83-76FA-4A70-BE6E-9AC40238BAEE}" type="datetimeFigureOut">
               <a:rPr lang="de-AT" smtClean="0"/>
-              <a:t>05.03.2024</a:t>
+              <a:t>07.03.2024</a:t>
             </a:fld>
             <a:endParaRPr lang="de-AT"/>
           </a:p>
@@ -3417,6 +3433,604 @@
 </p:sld>
 </file>
 
+<file path=ppt/slides/slide10.xml><?xml version="1.0" encoding="utf-8"?>
+<p:sld xmlns:a="http://schemas.openxmlformats.org/drawingml/2006/main" xmlns:r="http://schemas.openxmlformats.org/officeDocument/2006/relationships" xmlns:p="http://schemas.openxmlformats.org/presentationml/2006/main">
+  <p:cSld>
+    <p:spTree>
+      <p:nvGrpSpPr>
+        <p:cNvPr id="1" name=""/>
+        <p:cNvGrpSpPr/>
+        <p:nvPr/>
+      </p:nvGrpSpPr>
+      <p:grpSpPr>
+        <a:xfrm>
+          <a:off x="0" y="0"/>
+          <a:ext cx="0" cy="0"/>
+          <a:chOff x="0" y="0"/>
+          <a:chExt cx="0" cy="0"/>
+        </a:xfrm>
+      </p:grpSpPr>
+      <p:sp>
+        <p:nvSpPr>
+          <p:cNvPr id="2" name="Titel 1">
+            <a:extLst>
+              <a:ext uri="{FF2B5EF4-FFF2-40B4-BE49-F238E27FC236}">
+                <a16:creationId xmlns:a16="http://schemas.microsoft.com/office/drawing/2014/main" id="{31A3E34F-CCE4-4331-8C9F-6D2BA736CBDF}"/>
+              </a:ext>
+            </a:extLst>
+          </p:cNvPr>
+          <p:cNvSpPr>
+            <a:spLocks noGrp="1"/>
+          </p:cNvSpPr>
+          <p:nvPr>
+            <p:ph type="title"/>
+          </p:nvPr>
+        </p:nvSpPr>
+        <p:spPr/>
+        <p:txBody>
+          <a:bodyPr/>
+          <a:lstStyle/>
+          <a:p>
+            <a:r>
+              <a:rPr lang="de-AT" dirty="0"/>
+              <a:t>.</a:t>
+            </a:r>
+            <a:r>
+              <a:rPr lang="de-AT" dirty="0" err="1"/>
+              <a:t>git</a:t>
+            </a:r>
+            <a:r>
+              <a:rPr lang="de-AT" dirty="0"/>
+              <a:t> </a:t>
+            </a:r>
+            <a:r>
+              <a:rPr lang="de-AT" dirty="0" err="1"/>
+              <a:t>directory</a:t>
+            </a:r>
+            <a:endParaRPr lang="de-AT" dirty="0"/>
+          </a:p>
+        </p:txBody>
+      </p:sp>
+      <p:sp>
+        <p:nvSpPr>
+          <p:cNvPr id="3" name="Inhaltsplatzhalter 2">
+            <a:extLst>
+              <a:ext uri="{FF2B5EF4-FFF2-40B4-BE49-F238E27FC236}">
+                <a16:creationId xmlns:a16="http://schemas.microsoft.com/office/drawing/2014/main" id="{9C3AD2A8-8B63-4AEF-887A-1D9A0945492A}"/>
+              </a:ext>
+            </a:extLst>
+          </p:cNvPr>
+          <p:cNvSpPr>
+            <a:spLocks noGrp="1"/>
+          </p:cNvSpPr>
+          <p:nvPr>
+            <p:ph idx="1"/>
+          </p:nvPr>
+        </p:nvSpPr>
+        <p:spPr/>
+        <p:txBody>
+          <a:bodyPr/>
+          <a:lstStyle/>
+          <a:p>
+            <a:r>
+              <a:rPr lang="de-AT" dirty="0"/>
+              <a:t>Es befinden sich die </a:t>
+            </a:r>
+            <a:r>
+              <a:rPr lang="de-AT" dirty="0" err="1"/>
+              <a:t>branches</a:t>
+            </a:r>
+            <a:r>
+              <a:rPr lang="de-AT" dirty="0"/>
+              <a:t> in .</a:t>
+            </a:r>
+            <a:r>
+              <a:rPr lang="de-AT" dirty="0" err="1"/>
+              <a:t>git</a:t>
+            </a:r>
+            <a:r>
+              <a:rPr lang="de-AT" dirty="0"/>
+              <a:t>/</a:t>
+            </a:r>
+            <a:r>
+              <a:rPr lang="de-AT" dirty="0" err="1"/>
+              <a:t>refs</a:t>
+            </a:r>
+            <a:r>
+              <a:rPr lang="de-AT" dirty="0"/>
+              <a:t>/</a:t>
+            </a:r>
+            <a:r>
+              <a:rPr lang="de-AT" dirty="0" err="1"/>
+              <a:t>heads</a:t>
+            </a:r>
+            <a:endParaRPr lang="de-AT" dirty="0"/>
+          </a:p>
+          <a:p>
+            <a:endParaRPr lang="de-AT" dirty="0"/>
+          </a:p>
+        </p:txBody>
+      </p:sp>
+      <p:pic>
+        <p:nvPicPr>
+          <p:cNvPr id="7" name="Grafik 6">
+            <a:extLst>
+              <a:ext uri="{FF2B5EF4-FFF2-40B4-BE49-F238E27FC236}">
+                <a16:creationId xmlns:a16="http://schemas.microsoft.com/office/drawing/2014/main" id="{F450B265-CA2D-4CE0-BEB6-93123AB7F96A}"/>
+              </a:ext>
+            </a:extLst>
+          </p:cNvPr>
+          <p:cNvPicPr>
+            <a:picLocks noChangeAspect="1"/>
+          </p:cNvPicPr>
+          <p:nvPr/>
+        </p:nvPicPr>
+        <p:blipFill>
+          <a:blip r:embed="rId2"/>
+          <a:stretch>
+            <a:fillRect/>
+          </a:stretch>
+        </p:blipFill>
+        <p:spPr>
+          <a:xfrm>
+            <a:off x="1964784" y="2595446"/>
+            <a:ext cx="7754432" cy="1667108"/>
+          </a:xfrm>
+          <a:prstGeom prst="rect">
+            <a:avLst/>
+          </a:prstGeom>
+        </p:spPr>
+      </p:pic>
+    </p:spTree>
+    <p:extLst>
+      <p:ext uri="{BB962C8B-B14F-4D97-AF65-F5344CB8AC3E}">
+        <p14:creationId xmlns:p14="http://schemas.microsoft.com/office/powerpoint/2010/main" val="45891173"/>
+      </p:ext>
+    </p:extLst>
+  </p:cSld>
+  <p:clrMapOvr>
+    <a:masterClrMapping/>
+  </p:clrMapOvr>
+</p:sld>
+</file>
+
+<file path=ppt/slides/slide11.xml><?xml version="1.0" encoding="utf-8"?>
+<p:sld xmlns:a="http://schemas.openxmlformats.org/drawingml/2006/main" xmlns:r="http://schemas.openxmlformats.org/officeDocument/2006/relationships" xmlns:p="http://schemas.openxmlformats.org/presentationml/2006/main">
+  <p:cSld>
+    <p:spTree>
+      <p:nvGrpSpPr>
+        <p:cNvPr id="1" name=""/>
+        <p:cNvGrpSpPr/>
+        <p:nvPr/>
+      </p:nvGrpSpPr>
+      <p:grpSpPr>
+        <a:xfrm>
+          <a:off x="0" y="0"/>
+          <a:ext cx="0" cy="0"/>
+          <a:chOff x="0" y="0"/>
+          <a:chExt cx="0" cy="0"/>
+        </a:xfrm>
+      </p:grpSpPr>
+      <p:sp>
+        <p:nvSpPr>
+          <p:cNvPr id="2" name="Titel 1">
+            <a:extLst>
+              <a:ext uri="{FF2B5EF4-FFF2-40B4-BE49-F238E27FC236}">
+                <a16:creationId xmlns:a16="http://schemas.microsoft.com/office/drawing/2014/main" id="{A27F2C0A-7AEB-42D3-AC62-579206E2544A}"/>
+              </a:ext>
+            </a:extLst>
+          </p:cNvPr>
+          <p:cNvSpPr>
+            <a:spLocks noGrp="1"/>
+          </p:cNvSpPr>
+          <p:nvPr>
+            <p:ph type="title"/>
+          </p:nvPr>
+        </p:nvSpPr>
+        <p:spPr/>
+        <p:txBody>
+          <a:bodyPr/>
+          <a:lstStyle/>
+          <a:p>
+            <a:r>
+              <a:rPr lang="de-AT" dirty="0"/>
+              <a:t>Feature </a:t>
+            </a:r>
+            <a:r>
+              <a:rPr lang="de-AT" dirty="0" err="1"/>
+              <a:t>Branches</a:t>
+            </a:r>
+            <a:endParaRPr lang="de-AT" dirty="0"/>
+          </a:p>
+        </p:txBody>
+      </p:sp>
+      <p:pic>
+        <p:nvPicPr>
+          <p:cNvPr id="5" name="Inhaltsplatzhalter 4">
+            <a:extLst>
+              <a:ext uri="{FF2B5EF4-FFF2-40B4-BE49-F238E27FC236}">
+                <a16:creationId xmlns:a16="http://schemas.microsoft.com/office/drawing/2014/main" id="{60F012E3-D0AC-45BF-BC81-63D7B488A8D2}"/>
+              </a:ext>
+            </a:extLst>
+          </p:cNvPr>
+          <p:cNvPicPr>
+            <a:picLocks noGrp="1" noChangeAspect="1"/>
+          </p:cNvPicPr>
+          <p:nvPr>
+            <p:ph idx="1"/>
+          </p:nvPr>
+        </p:nvPicPr>
+        <p:blipFill>
+          <a:blip r:embed="rId2"/>
+          <a:stretch>
+            <a:fillRect/>
+          </a:stretch>
+        </p:blipFill>
+        <p:spPr>
+          <a:xfrm>
+            <a:off x="1798764" y="1690688"/>
+            <a:ext cx="8594472" cy="4351338"/>
+          </a:xfrm>
+        </p:spPr>
+      </p:pic>
+    </p:spTree>
+    <p:extLst>
+      <p:ext uri="{BB962C8B-B14F-4D97-AF65-F5344CB8AC3E}">
+        <p14:creationId xmlns:p14="http://schemas.microsoft.com/office/powerpoint/2010/main" val="3284004493"/>
+      </p:ext>
+    </p:extLst>
+  </p:cSld>
+  <p:clrMapOvr>
+    <a:masterClrMapping/>
+  </p:clrMapOvr>
+</p:sld>
+</file>
+
+<file path=ppt/slides/slide12.xml><?xml version="1.0" encoding="utf-8"?>
+<p:sld xmlns:a="http://schemas.openxmlformats.org/drawingml/2006/main" xmlns:r="http://schemas.openxmlformats.org/officeDocument/2006/relationships" xmlns:p="http://schemas.openxmlformats.org/presentationml/2006/main">
+  <p:cSld>
+    <p:spTree>
+      <p:nvGrpSpPr>
+        <p:cNvPr id="1" name=""/>
+        <p:cNvGrpSpPr/>
+        <p:nvPr/>
+      </p:nvGrpSpPr>
+      <p:grpSpPr>
+        <a:xfrm>
+          <a:off x="0" y="0"/>
+          <a:ext cx="0" cy="0"/>
+          <a:chOff x="0" y="0"/>
+          <a:chExt cx="0" cy="0"/>
+        </a:xfrm>
+      </p:grpSpPr>
+      <p:sp>
+        <p:nvSpPr>
+          <p:cNvPr id="2" name="Titel 1">
+            <a:extLst>
+              <a:ext uri="{FF2B5EF4-FFF2-40B4-BE49-F238E27FC236}">
+                <a16:creationId xmlns:a16="http://schemas.microsoft.com/office/drawing/2014/main" id="{04A5ADDB-1E2B-4F7E-ADB7-7A7D80746ADE}"/>
+              </a:ext>
+            </a:extLst>
+          </p:cNvPr>
+          <p:cNvSpPr>
+            <a:spLocks noGrp="1"/>
+          </p:cNvSpPr>
+          <p:nvPr>
+            <p:ph type="title"/>
+          </p:nvPr>
+        </p:nvSpPr>
+        <p:spPr/>
+        <p:txBody>
+          <a:bodyPr/>
+          <a:lstStyle/>
+          <a:p>
+            <a:r>
+              <a:rPr lang="de-AT" dirty="0"/>
+              <a:t>Hotfix</a:t>
+            </a:r>
+          </a:p>
+        </p:txBody>
+      </p:sp>
+      <p:pic>
+        <p:nvPicPr>
+          <p:cNvPr id="5" name="Inhaltsplatzhalter 4">
+            <a:extLst>
+              <a:ext uri="{FF2B5EF4-FFF2-40B4-BE49-F238E27FC236}">
+                <a16:creationId xmlns:a16="http://schemas.microsoft.com/office/drawing/2014/main" id="{B07F423C-A522-4803-A038-4D1A77A2331D}"/>
+              </a:ext>
+            </a:extLst>
+          </p:cNvPr>
+          <p:cNvPicPr>
+            <a:picLocks noGrp="1" noChangeAspect="1"/>
+          </p:cNvPicPr>
+          <p:nvPr>
+            <p:ph idx="1"/>
+          </p:nvPr>
+        </p:nvPicPr>
+        <p:blipFill>
+          <a:blip r:embed="rId2"/>
+          <a:stretch>
+            <a:fillRect/>
+          </a:stretch>
+        </p:blipFill>
+        <p:spPr>
+          <a:xfrm>
+            <a:off x="3095956" y="365125"/>
+            <a:ext cx="7866988" cy="4351338"/>
+          </a:xfrm>
+        </p:spPr>
+      </p:pic>
+      <p:pic>
+        <p:nvPicPr>
+          <p:cNvPr id="7" name="Grafik 6">
+            <a:extLst>
+              <a:ext uri="{FF2B5EF4-FFF2-40B4-BE49-F238E27FC236}">
+                <a16:creationId xmlns:a16="http://schemas.microsoft.com/office/drawing/2014/main" id="{A252C99F-A626-4E6F-812C-C166ADC3FE7A}"/>
+              </a:ext>
+            </a:extLst>
+          </p:cNvPr>
+          <p:cNvPicPr>
+            <a:picLocks noChangeAspect="1"/>
+          </p:cNvPicPr>
+          <p:nvPr/>
+        </p:nvPicPr>
+        <p:blipFill>
+          <a:blip r:embed="rId3"/>
+          <a:stretch>
+            <a:fillRect/>
+          </a:stretch>
+        </p:blipFill>
+        <p:spPr>
+          <a:xfrm>
+            <a:off x="1685163" y="4860942"/>
+            <a:ext cx="8821674" cy="1631933"/>
+          </a:xfrm>
+          <a:prstGeom prst="rect">
+            <a:avLst/>
+          </a:prstGeom>
+        </p:spPr>
+      </p:pic>
+    </p:spTree>
+    <p:extLst>
+      <p:ext uri="{BB962C8B-B14F-4D97-AF65-F5344CB8AC3E}">
+        <p14:creationId xmlns:p14="http://schemas.microsoft.com/office/powerpoint/2010/main" val="4163177789"/>
+      </p:ext>
+    </p:extLst>
+  </p:cSld>
+  <p:clrMapOvr>
+    <a:masterClrMapping/>
+  </p:clrMapOvr>
+</p:sld>
+</file>
+
+<file path=ppt/slides/slide13.xml><?xml version="1.0" encoding="utf-8"?>
+<p:sld xmlns:a="http://schemas.openxmlformats.org/drawingml/2006/main" xmlns:r="http://schemas.openxmlformats.org/officeDocument/2006/relationships" xmlns:p="http://schemas.openxmlformats.org/presentationml/2006/main">
+  <p:cSld>
+    <p:spTree>
+      <p:nvGrpSpPr>
+        <p:cNvPr id="1" name=""/>
+        <p:cNvGrpSpPr/>
+        <p:nvPr/>
+      </p:nvGrpSpPr>
+      <p:grpSpPr>
+        <a:xfrm>
+          <a:off x="0" y="0"/>
+          <a:ext cx="0" cy="0"/>
+          <a:chOff x="0" y="0"/>
+          <a:chExt cx="0" cy="0"/>
+        </a:xfrm>
+      </p:grpSpPr>
+      <p:sp>
+        <p:nvSpPr>
+          <p:cNvPr id="2" name="Titel 1">
+            <a:extLst>
+              <a:ext uri="{FF2B5EF4-FFF2-40B4-BE49-F238E27FC236}">
+                <a16:creationId xmlns:a16="http://schemas.microsoft.com/office/drawing/2014/main" id="{BCA0486C-5F14-42DF-A6AC-7027A30DF767}"/>
+              </a:ext>
+            </a:extLst>
+          </p:cNvPr>
+          <p:cNvSpPr>
+            <a:spLocks noGrp="1"/>
+          </p:cNvSpPr>
+          <p:nvPr>
+            <p:ph type="title"/>
+          </p:nvPr>
+        </p:nvSpPr>
+        <p:spPr/>
+        <p:txBody>
+          <a:bodyPr/>
+          <a:lstStyle/>
+          <a:p>
+            <a:r>
+              <a:rPr lang="de-AT" dirty="0"/>
+              <a:t>Finish Feature A</a:t>
+            </a:r>
+          </a:p>
+        </p:txBody>
+      </p:sp>
+      <p:pic>
+        <p:nvPicPr>
+          <p:cNvPr id="5" name="Inhaltsplatzhalter 4">
+            <a:extLst>
+              <a:ext uri="{FF2B5EF4-FFF2-40B4-BE49-F238E27FC236}">
+                <a16:creationId xmlns:a16="http://schemas.microsoft.com/office/drawing/2014/main" id="{3127CA62-DE2C-420F-99B9-33949F6F3D9A}"/>
+              </a:ext>
+            </a:extLst>
+          </p:cNvPr>
+          <p:cNvPicPr>
+            <a:picLocks noGrp="1" noChangeAspect="1"/>
+          </p:cNvPicPr>
+          <p:nvPr>
+            <p:ph idx="1"/>
+          </p:nvPr>
+        </p:nvPicPr>
+        <p:blipFill>
+          <a:blip r:embed="rId2"/>
+          <a:stretch>
+            <a:fillRect/>
+          </a:stretch>
+        </p:blipFill>
+        <p:spPr>
+          <a:xfrm>
+            <a:off x="1596684" y="1825625"/>
+            <a:ext cx="8998631" cy="4351338"/>
+          </a:xfrm>
+        </p:spPr>
+      </p:pic>
+    </p:spTree>
+    <p:extLst>
+      <p:ext uri="{BB962C8B-B14F-4D97-AF65-F5344CB8AC3E}">
+        <p14:creationId xmlns:p14="http://schemas.microsoft.com/office/powerpoint/2010/main" val="1706962204"/>
+      </p:ext>
+    </p:extLst>
+  </p:cSld>
+  <p:clrMapOvr>
+    <a:masterClrMapping/>
+  </p:clrMapOvr>
+</p:sld>
+</file>
+
+<file path=ppt/slides/slide14.xml><?xml version="1.0" encoding="utf-8"?>
+<p:sld xmlns:a="http://schemas.openxmlformats.org/drawingml/2006/main" xmlns:r="http://schemas.openxmlformats.org/officeDocument/2006/relationships" xmlns:p="http://schemas.openxmlformats.org/presentationml/2006/main">
+  <p:cSld>
+    <p:spTree>
+      <p:nvGrpSpPr>
+        <p:cNvPr id="1" name=""/>
+        <p:cNvGrpSpPr/>
+        <p:nvPr/>
+      </p:nvGrpSpPr>
+      <p:grpSpPr>
+        <a:xfrm>
+          <a:off x="0" y="0"/>
+          <a:ext cx="0" cy="0"/>
+          <a:chOff x="0" y="0"/>
+          <a:chExt cx="0" cy="0"/>
+        </a:xfrm>
+      </p:grpSpPr>
+      <p:sp>
+        <p:nvSpPr>
+          <p:cNvPr id="2" name="Titel 1">
+            <a:extLst>
+              <a:ext uri="{FF2B5EF4-FFF2-40B4-BE49-F238E27FC236}">
+                <a16:creationId xmlns:a16="http://schemas.microsoft.com/office/drawing/2014/main" id="{8B050C79-90D6-4D7E-ABBD-CEB504ED2017}"/>
+              </a:ext>
+            </a:extLst>
+          </p:cNvPr>
+          <p:cNvSpPr>
+            <a:spLocks noGrp="1"/>
+          </p:cNvSpPr>
+          <p:nvPr>
+            <p:ph type="title"/>
+          </p:nvPr>
+        </p:nvSpPr>
+        <p:spPr/>
+        <p:txBody>
+          <a:bodyPr/>
+          <a:lstStyle/>
+          <a:p>
+            <a:r>
+              <a:rPr lang="de-AT" dirty="0"/>
+              <a:t>Branch </a:t>
+            </a:r>
+            <a:r>
+              <a:rPr lang="de-AT" dirty="0" err="1"/>
+              <a:t>deletion</a:t>
+            </a:r>
+            <a:endParaRPr lang="de-AT" dirty="0"/>
+          </a:p>
+        </p:txBody>
+      </p:sp>
+      <p:sp>
+        <p:nvSpPr>
+          <p:cNvPr id="3" name="Inhaltsplatzhalter 2">
+            <a:extLst>
+              <a:ext uri="{FF2B5EF4-FFF2-40B4-BE49-F238E27FC236}">
+                <a16:creationId xmlns:a16="http://schemas.microsoft.com/office/drawing/2014/main" id="{9A4CC57C-A490-4078-8370-7BBAB1EE9310}"/>
+              </a:ext>
+            </a:extLst>
+          </p:cNvPr>
+          <p:cNvSpPr>
+            <a:spLocks noGrp="1"/>
+          </p:cNvSpPr>
+          <p:nvPr>
+            <p:ph idx="1"/>
+          </p:nvPr>
+        </p:nvSpPr>
+        <p:spPr/>
+        <p:txBody>
+          <a:bodyPr/>
+          <a:lstStyle/>
+          <a:p>
+            <a:r>
+              <a:rPr lang="de-AT" dirty="0" err="1"/>
+              <a:t>git</a:t>
+            </a:r>
+            <a:r>
+              <a:rPr lang="de-AT" dirty="0"/>
+              <a:t> </a:t>
+            </a:r>
+            <a:r>
+              <a:rPr lang="de-AT" dirty="0" err="1"/>
+              <a:t>branch</a:t>
+            </a:r>
+            <a:r>
+              <a:rPr lang="de-AT" dirty="0"/>
+              <a:t> –d &lt;</a:t>
+            </a:r>
+            <a:r>
+              <a:rPr lang="de-AT" dirty="0" err="1"/>
+              <a:t>name</a:t>
+            </a:r>
+            <a:r>
+              <a:rPr lang="de-AT" dirty="0"/>
+              <a:t>&gt;</a:t>
+            </a:r>
+          </a:p>
+        </p:txBody>
+      </p:sp>
+      <p:pic>
+        <p:nvPicPr>
+          <p:cNvPr id="5" name="Grafik 4">
+            <a:extLst>
+              <a:ext uri="{FF2B5EF4-FFF2-40B4-BE49-F238E27FC236}">
+                <a16:creationId xmlns:a16="http://schemas.microsoft.com/office/drawing/2014/main" id="{DC9B399D-C0EA-4A6E-A20A-FFB11329ACA5}"/>
+              </a:ext>
+            </a:extLst>
+          </p:cNvPr>
+          <p:cNvPicPr>
+            <a:picLocks noChangeAspect="1"/>
+          </p:cNvPicPr>
+          <p:nvPr/>
+        </p:nvPicPr>
+        <p:blipFill>
+          <a:blip r:embed="rId2"/>
+          <a:stretch>
+            <a:fillRect/>
+          </a:stretch>
+        </p:blipFill>
+        <p:spPr>
+          <a:xfrm>
+            <a:off x="899387" y="3078078"/>
+            <a:ext cx="10393225" cy="1209844"/>
+          </a:xfrm>
+          <a:prstGeom prst="rect">
+            <a:avLst/>
+          </a:prstGeom>
+        </p:spPr>
+      </p:pic>
+    </p:spTree>
+    <p:extLst>
+      <p:ext uri="{BB962C8B-B14F-4D97-AF65-F5344CB8AC3E}">
+        <p14:creationId xmlns:p14="http://schemas.microsoft.com/office/powerpoint/2010/main" val="731064902"/>
+      </p:ext>
+    </p:extLst>
+  </p:cSld>
+  <p:clrMapOvr>
+    <a:masterClrMapping/>
+  </p:clrMapOvr>
+</p:sld>
+</file>
+
 <file path=ppt/slides/slide2.xml><?xml version="1.0" encoding="utf-8"?>
 <p:sld xmlns:a="http://schemas.openxmlformats.org/drawingml/2006/main" xmlns:r="http://schemas.openxmlformats.org/officeDocument/2006/relationships" xmlns:p="http://schemas.openxmlformats.org/presentationml/2006/main">
   <p:cSld>
@@ -3716,8 +4330,51 @@
             </a:r>
             <a:r>
               <a:rPr lang="de-AT" dirty="0"/>
-              <a:t>&gt;“</a:t>
-            </a:r>
+              <a:t>&gt;“ erstellt eine neue Branch</a:t>
+            </a:r>
+          </a:p>
+          <a:p>
+            <a:r>
+              <a:rPr lang="de-AT" dirty="0"/>
+              <a:t>„</a:t>
+            </a:r>
+            <a:r>
+              <a:rPr lang="de-AT" dirty="0" err="1"/>
+              <a:t>git</a:t>
+            </a:r>
+            <a:r>
+              <a:rPr lang="de-AT" dirty="0"/>
+              <a:t> </a:t>
+            </a:r>
+            <a:r>
+              <a:rPr lang="de-AT" dirty="0" err="1"/>
+              <a:t>checkout</a:t>
+            </a:r>
+            <a:r>
+              <a:rPr lang="de-AT" dirty="0"/>
+              <a:t> &lt;</a:t>
+            </a:r>
+            <a:r>
+              <a:rPr lang="de-AT" dirty="0" err="1"/>
+              <a:t>name</a:t>
+            </a:r>
+            <a:r>
+              <a:rPr lang="de-AT" dirty="0"/>
+              <a:t>&gt;“ wechselt auf den </a:t>
+            </a:r>
+            <a:r>
+              <a:rPr lang="de-AT" dirty="0" err="1"/>
+              <a:t>development</a:t>
+            </a:r>
+            <a:r>
+              <a:rPr lang="de-AT" dirty="0"/>
+              <a:t> </a:t>
+            </a:r>
+            <a:r>
+              <a:rPr lang="de-AT" dirty="0" err="1"/>
+              <a:t>branch</a:t>
+            </a:r>
+            <a:endParaRPr lang="de-AT" dirty="0"/>
           </a:p>
         </p:txBody>
       </p:sp>
@@ -3725,6 +4382,832 @@
     <p:extLst>
       <p:ext uri="{BB962C8B-B14F-4D97-AF65-F5344CB8AC3E}">
         <p14:creationId xmlns:p14="http://schemas.microsoft.com/office/powerpoint/2010/main" val="880575042"/>
+      </p:ext>
+    </p:extLst>
+  </p:cSld>
+  <p:clrMapOvr>
+    <a:masterClrMapping/>
+  </p:clrMapOvr>
+</p:sld>
+</file>
+
+<file path=ppt/slides/slide4.xml><?xml version="1.0" encoding="utf-8"?>
+<p:sld xmlns:a="http://schemas.openxmlformats.org/drawingml/2006/main" xmlns:r="http://schemas.openxmlformats.org/officeDocument/2006/relationships" xmlns:p="http://schemas.openxmlformats.org/presentationml/2006/main">
+  <p:cSld>
+    <p:spTree>
+      <p:nvGrpSpPr>
+        <p:cNvPr id="1" name=""/>
+        <p:cNvGrpSpPr/>
+        <p:nvPr/>
+      </p:nvGrpSpPr>
+      <p:grpSpPr>
+        <a:xfrm>
+          <a:off x="0" y="0"/>
+          <a:ext cx="0" cy="0"/>
+          <a:chOff x="0" y="0"/>
+          <a:chExt cx="0" cy="0"/>
+        </a:xfrm>
+      </p:grpSpPr>
+      <p:sp>
+        <p:nvSpPr>
+          <p:cNvPr id="2" name="Titel 1">
+            <a:extLst>
+              <a:ext uri="{FF2B5EF4-FFF2-40B4-BE49-F238E27FC236}">
+                <a16:creationId xmlns:a16="http://schemas.microsoft.com/office/drawing/2014/main" id="{039ADF76-FA34-4833-BEB9-C7F027317D61}"/>
+              </a:ext>
+            </a:extLst>
+          </p:cNvPr>
+          <p:cNvSpPr>
+            <a:spLocks noGrp="1"/>
+          </p:cNvSpPr>
+          <p:nvPr>
+            <p:ph type="title"/>
+          </p:nvPr>
+        </p:nvSpPr>
+        <p:spPr/>
+        <p:txBody>
+          <a:bodyPr/>
+          <a:lstStyle/>
+          <a:p>
+            <a:r>
+              <a:rPr lang="de-AT" dirty="0" err="1"/>
+              <a:t>Changes</a:t>
+            </a:r>
+            <a:endParaRPr lang="de-AT" dirty="0"/>
+          </a:p>
+        </p:txBody>
+      </p:sp>
+      <p:sp>
+        <p:nvSpPr>
+          <p:cNvPr id="3" name="Inhaltsplatzhalter 2">
+            <a:extLst>
+              <a:ext uri="{FF2B5EF4-FFF2-40B4-BE49-F238E27FC236}">
+                <a16:creationId xmlns:a16="http://schemas.microsoft.com/office/drawing/2014/main" id="{CBFE9155-FE21-4E5F-BC3F-824DA750BEE4}"/>
+              </a:ext>
+            </a:extLst>
+          </p:cNvPr>
+          <p:cNvSpPr>
+            <a:spLocks noGrp="1"/>
+          </p:cNvSpPr>
+          <p:nvPr>
+            <p:ph idx="1"/>
+          </p:nvPr>
+        </p:nvSpPr>
+        <p:spPr/>
+        <p:txBody>
+          <a:bodyPr/>
+          <a:lstStyle/>
+          <a:p>
+            <a:r>
+              <a:rPr lang="de-AT" dirty="0"/>
+              <a:t>„on </a:t>
+            </a:r>
+            <a:r>
+              <a:rPr lang="de-AT" dirty="0" err="1"/>
+              <a:t>branch</a:t>
+            </a:r>
+            <a:r>
+              <a:rPr lang="de-AT" dirty="0"/>
+              <a:t> &lt;</a:t>
+            </a:r>
+            <a:r>
+              <a:rPr lang="de-AT" dirty="0" err="1"/>
+              <a:t>name</a:t>
+            </a:r>
+            <a:r>
+              <a:rPr lang="de-AT" dirty="0"/>
+              <a:t>&gt;“</a:t>
+            </a:r>
+          </a:p>
+          <a:p>
+            <a:r>
+              <a:rPr lang="de-AT" dirty="0"/>
+              <a:t>Sonst alles gleich</a:t>
+            </a:r>
+          </a:p>
+          <a:p>
+            <a:endParaRPr lang="de-AT" dirty="0"/>
+          </a:p>
+        </p:txBody>
+      </p:sp>
+      <p:pic>
+        <p:nvPicPr>
+          <p:cNvPr id="7" name="Grafik 6">
+            <a:extLst>
+              <a:ext uri="{FF2B5EF4-FFF2-40B4-BE49-F238E27FC236}">
+                <a16:creationId xmlns:a16="http://schemas.microsoft.com/office/drawing/2014/main" id="{4BCC2286-27C4-4FD3-A5BB-07EFBD5272CF}"/>
+              </a:ext>
+            </a:extLst>
+          </p:cNvPr>
+          <p:cNvPicPr>
+            <a:picLocks noChangeAspect="1"/>
+          </p:cNvPicPr>
+          <p:nvPr/>
+        </p:nvPicPr>
+        <p:blipFill>
+          <a:blip r:embed="rId2"/>
+          <a:stretch>
+            <a:fillRect/>
+          </a:stretch>
+        </p:blipFill>
+        <p:spPr>
+          <a:xfrm>
+            <a:off x="3899433" y="2701611"/>
+            <a:ext cx="7454367" cy="2834002"/>
+          </a:xfrm>
+          <a:prstGeom prst="rect">
+            <a:avLst/>
+          </a:prstGeom>
+        </p:spPr>
+      </p:pic>
+    </p:spTree>
+    <p:extLst>
+      <p:ext uri="{BB962C8B-B14F-4D97-AF65-F5344CB8AC3E}">
+        <p14:creationId xmlns:p14="http://schemas.microsoft.com/office/powerpoint/2010/main" val="1947371475"/>
+      </p:ext>
+    </p:extLst>
+  </p:cSld>
+  <p:clrMapOvr>
+    <a:masterClrMapping/>
+  </p:clrMapOvr>
+</p:sld>
+</file>
+
+<file path=ppt/slides/slide5.xml><?xml version="1.0" encoding="utf-8"?>
+<p:sld xmlns:a="http://schemas.openxmlformats.org/drawingml/2006/main" xmlns:r="http://schemas.openxmlformats.org/officeDocument/2006/relationships" xmlns:p="http://schemas.openxmlformats.org/presentationml/2006/main">
+  <p:cSld>
+    <p:spTree>
+      <p:nvGrpSpPr>
+        <p:cNvPr id="1" name=""/>
+        <p:cNvGrpSpPr/>
+        <p:nvPr/>
+      </p:nvGrpSpPr>
+      <p:grpSpPr>
+        <a:xfrm>
+          <a:off x="0" y="0"/>
+          <a:ext cx="0" cy="0"/>
+          <a:chOff x="0" y="0"/>
+          <a:chExt cx="0" cy="0"/>
+        </a:xfrm>
+      </p:grpSpPr>
+      <p:sp>
+        <p:nvSpPr>
+          <p:cNvPr id="2" name="Titel 1">
+            <a:extLst>
+              <a:ext uri="{FF2B5EF4-FFF2-40B4-BE49-F238E27FC236}">
+                <a16:creationId xmlns:a16="http://schemas.microsoft.com/office/drawing/2014/main" id="{49693B4B-5C82-4288-972B-DF82CFE31771}"/>
+              </a:ext>
+            </a:extLst>
+          </p:cNvPr>
+          <p:cNvSpPr>
+            <a:spLocks noGrp="1"/>
+          </p:cNvSpPr>
+          <p:nvPr>
+            <p:ph type="title"/>
+          </p:nvPr>
+        </p:nvSpPr>
+        <p:spPr/>
+        <p:txBody>
+          <a:bodyPr/>
+          <a:lstStyle/>
+          <a:p>
+            <a:r>
+              <a:rPr lang="de-AT" dirty="0"/>
+              <a:t>Diff</a:t>
+            </a:r>
+          </a:p>
+        </p:txBody>
+      </p:sp>
+      <p:sp>
+        <p:nvSpPr>
+          <p:cNvPr id="3" name="Inhaltsplatzhalter 2">
+            <a:extLst>
+              <a:ext uri="{FF2B5EF4-FFF2-40B4-BE49-F238E27FC236}">
+                <a16:creationId xmlns:a16="http://schemas.microsoft.com/office/drawing/2014/main" id="{7D5ECF18-5241-4EC7-B914-3D768C5D7649}"/>
+              </a:ext>
+            </a:extLst>
+          </p:cNvPr>
+          <p:cNvSpPr>
+            <a:spLocks noGrp="1"/>
+          </p:cNvSpPr>
+          <p:nvPr>
+            <p:ph idx="1"/>
+          </p:nvPr>
+        </p:nvSpPr>
+        <p:spPr>
+          <a:xfrm>
+            <a:off x="838200" y="1800225"/>
+            <a:ext cx="10515600" cy="4351338"/>
+          </a:xfrm>
+        </p:spPr>
+        <p:txBody>
+          <a:bodyPr/>
+          <a:lstStyle/>
+          <a:p>
+            <a:r>
+              <a:rPr lang="de-AT" dirty="0" err="1"/>
+              <a:t>git</a:t>
+            </a:r>
+            <a:r>
+              <a:rPr lang="de-AT" dirty="0"/>
+              <a:t> </a:t>
+            </a:r>
+            <a:r>
+              <a:rPr lang="de-AT" dirty="0" err="1"/>
+              <a:t>diff</a:t>
+            </a:r>
+            <a:endParaRPr lang="de-AT" dirty="0"/>
+          </a:p>
+          <a:p>
+            <a:r>
+              <a:rPr lang="de-AT" dirty="0"/>
+              <a:t>Zeigt unterschiede an bevor sie zum </a:t>
+            </a:r>
+            <a:r>
+              <a:rPr lang="de-AT" dirty="0" err="1"/>
+              <a:t>commiten</a:t>
+            </a:r>
+            <a:r>
+              <a:rPr lang="de-AT" dirty="0"/>
+              <a:t> </a:t>
+            </a:r>
+            <a:r>
+              <a:rPr lang="de-AT" dirty="0" err="1"/>
+              <a:t>gestaged</a:t>
+            </a:r>
+            <a:r>
+              <a:rPr lang="de-AT" dirty="0"/>
+              <a:t> werden</a:t>
+            </a:r>
+          </a:p>
+          <a:p>
+            <a:pPr lvl="1"/>
+            <a:r>
+              <a:rPr lang="de-AT" dirty="0"/>
+              <a:t>@@ = die veränderten </a:t>
+            </a:r>
+            <a:r>
+              <a:rPr lang="de-AT" dirty="0" err="1"/>
+              <a:t>lines</a:t>
+            </a:r>
+            <a:r>
+              <a:rPr lang="de-AT" dirty="0"/>
+              <a:t> in der </a:t>
+            </a:r>
+            <a:r>
+              <a:rPr lang="de-AT" dirty="0" err="1"/>
+              <a:t>datei</a:t>
+            </a:r>
+            <a:endParaRPr lang="de-AT" dirty="0"/>
+          </a:p>
+          <a:p>
+            <a:pPr lvl="1"/>
+            <a:r>
+              <a:rPr lang="de-AT" dirty="0"/>
+              <a:t>+ = neues</a:t>
+            </a:r>
+          </a:p>
+          <a:p>
+            <a:pPr lvl="1"/>
+            <a:r>
+              <a:rPr lang="de-AT" dirty="0"/>
+              <a:t>- = altes/originales</a:t>
+            </a:r>
+          </a:p>
+          <a:p>
+            <a:endParaRPr lang="de-AT" dirty="0"/>
+          </a:p>
+        </p:txBody>
+      </p:sp>
+      <p:pic>
+        <p:nvPicPr>
+          <p:cNvPr id="9" name="Grafik 8">
+            <a:extLst>
+              <a:ext uri="{FF2B5EF4-FFF2-40B4-BE49-F238E27FC236}">
+                <a16:creationId xmlns:a16="http://schemas.microsoft.com/office/drawing/2014/main" id="{E8879A99-3D23-4C47-8190-5ACD7AFE1183}"/>
+              </a:ext>
+            </a:extLst>
+          </p:cNvPr>
+          <p:cNvPicPr>
+            <a:picLocks noChangeAspect="1"/>
+          </p:cNvPicPr>
+          <p:nvPr/>
+        </p:nvPicPr>
+        <p:blipFill>
+          <a:blip r:embed="rId2"/>
+          <a:stretch>
+            <a:fillRect/>
+          </a:stretch>
+        </p:blipFill>
+        <p:spPr>
+          <a:xfrm>
+            <a:off x="694571" y="4043241"/>
+            <a:ext cx="10802858" cy="1743318"/>
+          </a:xfrm>
+          <a:prstGeom prst="rect">
+            <a:avLst/>
+          </a:prstGeom>
+        </p:spPr>
+      </p:pic>
+    </p:spTree>
+    <p:extLst>
+      <p:ext uri="{BB962C8B-B14F-4D97-AF65-F5344CB8AC3E}">
+        <p14:creationId xmlns:p14="http://schemas.microsoft.com/office/powerpoint/2010/main" val="2082784535"/>
+      </p:ext>
+    </p:extLst>
+  </p:cSld>
+  <p:clrMapOvr>
+    <a:masterClrMapping/>
+  </p:clrMapOvr>
+</p:sld>
+</file>
+
+<file path=ppt/slides/slide6.xml><?xml version="1.0" encoding="utf-8"?>
+<p:sld xmlns:a="http://schemas.openxmlformats.org/drawingml/2006/main" xmlns:r="http://schemas.openxmlformats.org/officeDocument/2006/relationships" xmlns:p="http://schemas.openxmlformats.org/presentationml/2006/main">
+  <p:cSld>
+    <p:spTree>
+      <p:nvGrpSpPr>
+        <p:cNvPr id="1" name=""/>
+        <p:cNvGrpSpPr/>
+        <p:nvPr/>
+      </p:nvGrpSpPr>
+      <p:grpSpPr>
+        <a:xfrm>
+          <a:off x="0" y="0"/>
+          <a:ext cx="0" cy="0"/>
+          <a:chOff x="0" y="0"/>
+          <a:chExt cx="0" cy="0"/>
+        </a:xfrm>
+      </p:grpSpPr>
+      <p:sp>
+        <p:nvSpPr>
+          <p:cNvPr id="2" name="Titel 1">
+            <a:extLst>
+              <a:ext uri="{FF2B5EF4-FFF2-40B4-BE49-F238E27FC236}">
+                <a16:creationId xmlns:a16="http://schemas.microsoft.com/office/drawing/2014/main" id="{2538D7B4-5412-4059-8711-4FC394E063C8}"/>
+              </a:ext>
+            </a:extLst>
+          </p:cNvPr>
+          <p:cNvSpPr>
+            <a:spLocks noGrp="1"/>
+          </p:cNvSpPr>
+          <p:nvPr>
+            <p:ph type="title"/>
+          </p:nvPr>
+        </p:nvSpPr>
+        <p:spPr/>
+        <p:txBody>
+          <a:bodyPr/>
+          <a:lstStyle/>
+          <a:p>
+            <a:r>
+              <a:rPr lang="de-AT" dirty="0"/>
+              <a:t>Commit</a:t>
+            </a:r>
+          </a:p>
+        </p:txBody>
+      </p:sp>
+      <p:pic>
+        <p:nvPicPr>
+          <p:cNvPr id="5" name="Inhaltsplatzhalter 4">
+            <a:extLst>
+              <a:ext uri="{FF2B5EF4-FFF2-40B4-BE49-F238E27FC236}">
+                <a16:creationId xmlns:a16="http://schemas.microsoft.com/office/drawing/2014/main" id="{F7D55F5D-D52D-4DB8-96D2-E63209CBFC36}"/>
+              </a:ext>
+            </a:extLst>
+          </p:cNvPr>
+          <p:cNvPicPr>
+            <a:picLocks noGrp="1" noChangeAspect="1"/>
+          </p:cNvPicPr>
+          <p:nvPr>
+            <p:ph idx="1"/>
+          </p:nvPr>
+        </p:nvPicPr>
+        <p:blipFill>
+          <a:blip r:embed="rId2"/>
+          <a:stretch>
+            <a:fillRect/>
+          </a:stretch>
+        </p:blipFill>
+        <p:spPr>
+          <a:xfrm>
+            <a:off x="838200" y="2320025"/>
+            <a:ext cx="10515600" cy="2600538"/>
+          </a:xfrm>
+        </p:spPr>
+      </p:pic>
+    </p:spTree>
+    <p:extLst>
+      <p:ext uri="{BB962C8B-B14F-4D97-AF65-F5344CB8AC3E}">
+        <p14:creationId xmlns:p14="http://schemas.microsoft.com/office/powerpoint/2010/main" val="2457365316"/>
+      </p:ext>
+    </p:extLst>
+  </p:cSld>
+  <p:clrMapOvr>
+    <a:masterClrMapping/>
+  </p:clrMapOvr>
+</p:sld>
+</file>
+
+<file path=ppt/slides/slide7.xml><?xml version="1.0" encoding="utf-8"?>
+<p:sld xmlns:a="http://schemas.openxmlformats.org/drawingml/2006/main" xmlns:r="http://schemas.openxmlformats.org/officeDocument/2006/relationships" xmlns:p="http://schemas.openxmlformats.org/presentationml/2006/main">
+  <p:cSld>
+    <p:spTree>
+      <p:nvGrpSpPr>
+        <p:cNvPr id="1" name=""/>
+        <p:cNvGrpSpPr/>
+        <p:nvPr/>
+      </p:nvGrpSpPr>
+      <p:grpSpPr>
+        <a:xfrm>
+          <a:off x="0" y="0"/>
+          <a:ext cx="0" cy="0"/>
+          <a:chOff x="0" y="0"/>
+          <a:chExt cx="0" cy="0"/>
+        </a:xfrm>
+      </p:grpSpPr>
+      <p:sp>
+        <p:nvSpPr>
+          <p:cNvPr id="2" name="Titel 1">
+            <a:extLst>
+              <a:ext uri="{FF2B5EF4-FFF2-40B4-BE49-F238E27FC236}">
+                <a16:creationId xmlns:a16="http://schemas.microsoft.com/office/drawing/2014/main" id="{4DF61BA8-2BA5-41F9-A688-59A452D56614}"/>
+              </a:ext>
+            </a:extLst>
+          </p:cNvPr>
+          <p:cNvSpPr>
+            <a:spLocks noGrp="1"/>
+          </p:cNvSpPr>
+          <p:nvPr>
+            <p:ph type="title"/>
+          </p:nvPr>
+        </p:nvSpPr>
+        <p:spPr/>
+        <p:txBody>
+          <a:bodyPr/>
+          <a:lstStyle/>
+          <a:p>
+            <a:r>
+              <a:rPr lang="de-AT" dirty="0" err="1"/>
+              <a:t>Accidentally</a:t>
+            </a:r>
+            <a:r>
+              <a:rPr lang="de-AT" dirty="0"/>
+              <a:t> </a:t>
+            </a:r>
+            <a:r>
+              <a:rPr lang="de-AT" dirty="0" err="1"/>
+              <a:t>Commited</a:t>
+            </a:r>
+            <a:r>
+              <a:rPr lang="de-AT" dirty="0"/>
+              <a:t>?</a:t>
+            </a:r>
+          </a:p>
+        </p:txBody>
+      </p:sp>
+      <p:sp>
+        <p:nvSpPr>
+          <p:cNvPr id="3" name="Inhaltsplatzhalter 2">
+            <a:extLst>
+              <a:ext uri="{FF2B5EF4-FFF2-40B4-BE49-F238E27FC236}">
+                <a16:creationId xmlns:a16="http://schemas.microsoft.com/office/drawing/2014/main" id="{4C2F3A56-8BBE-45A8-B422-B9D22B736E44}"/>
+              </a:ext>
+            </a:extLst>
+          </p:cNvPr>
+          <p:cNvSpPr>
+            <a:spLocks noGrp="1"/>
+          </p:cNvSpPr>
+          <p:nvPr>
+            <p:ph idx="1"/>
+          </p:nvPr>
+        </p:nvSpPr>
+        <p:spPr/>
+        <p:txBody>
+          <a:bodyPr/>
+          <a:lstStyle/>
+          <a:p>
+            <a:r>
+              <a:rPr lang="de-AT" dirty="0" err="1"/>
+              <a:t>git</a:t>
+            </a:r>
+            <a:r>
+              <a:rPr lang="de-AT" dirty="0"/>
+              <a:t> </a:t>
+            </a:r>
+            <a:r>
+              <a:rPr lang="de-AT" dirty="0" err="1"/>
+              <a:t>reset</a:t>
+            </a:r>
+            <a:r>
+              <a:rPr lang="de-AT" dirty="0"/>
+              <a:t> --soft HEAD~1</a:t>
+            </a:r>
+          </a:p>
+          <a:p>
+            <a:r>
+              <a:rPr lang="de-AT" dirty="0" err="1"/>
+              <a:t>Git</a:t>
+            </a:r>
+            <a:r>
+              <a:rPr lang="de-AT" dirty="0"/>
+              <a:t> </a:t>
+            </a:r>
+            <a:r>
+              <a:rPr lang="de-AT" dirty="0" err="1"/>
+              <a:t>reset</a:t>
+            </a:r>
+            <a:r>
+              <a:rPr lang="de-AT" dirty="0"/>
+              <a:t> --</a:t>
+            </a:r>
+            <a:r>
+              <a:rPr lang="de-AT" dirty="0" err="1"/>
+              <a:t>hard</a:t>
+            </a:r>
+            <a:r>
+              <a:rPr lang="de-AT" dirty="0"/>
+              <a:t> HEAD~1</a:t>
+            </a:r>
+          </a:p>
+          <a:p>
+            <a:pPr lvl="1"/>
+            <a:r>
+              <a:rPr lang="de-AT" dirty="0"/>
+              <a:t>--soft: </a:t>
+            </a:r>
+            <a:r>
+              <a:rPr lang="de-AT" dirty="0" err="1"/>
+              <a:t>commit</a:t>
+            </a:r>
+            <a:r>
+              <a:rPr lang="de-AT" dirty="0"/>
+              <a:t> rückgängig, aber </a:t>
+            </a:r>
+            <a:r>
+              <a:rPr lang="de-AT" dirty="0" err="1"/>
+              <a:t>changes</a:t>
+            </a:r>
+            <a:r>
+              <a:rPr lang="de-AT" dirty="0"/>
+              <a:t> bleiben </a:t>
+            </a:r>
+            <a:r>
+              <a:rPr lang="de-AT" dirty="0" err="1"/>
+              <a:t>gestaged</a:t>
+            </a:r>
+            <a:endParaRPr lang="de-AT" dirty="0"/>
+          </a:p>
+          <a:p>
+            <a:pPr lvl="1"/>
+            <a:r>
+              <a:rPr lang="de-AT" dirty="0"/>
+              <a:t>--</a:t>
+            </a:r>
+            <a:r>
+              <a:rPr lang="de-AT" dirty="0" err="1"/>
+              <a:t>hard</a:t>
+            </a:r>
+            <a:r>
+              <a:rPr lang="de-AT" dirty="0"/>
+              <a:t>: macht </a:t>
+            </a:r>
+            <a:r>
+              <a:rPr lang="de-AT" dirty="0" err="1"/>
+              <a:t>commit</a:t>
+            </a:r>
+            <a:r>
+              <a:rPr lang="de-AT" dirty="0"/>
+              <a:t> und </a:t>
+            </a:r>
+            <a:r>
+              <a:rPr lang="de-AT" dirty="0" err="1"/>
+              <a:t>changes</a:t>
+            </a:r>
+            <a:r>
+              <a:rPr lang="de-AT" dirty="0"/>
+              <a:t> rückgängig</a:t>
+            </a:r>
+          </a:p>
+        </p:txBody>
+      </p:sp>
+      <p:pic>
+        <p:nvPicPr>
+          <p:cNvPr id="5" name="Grafik 4">
+            <a:extLst>
+              <a:ext uri="{FF2B5EF4-FFF2-40B4-BE49-F238E27FC236}">
+                <a16:creationId xmlns:a16="http://schemas.microsoft.com/office/drawing/2014/main" id="{9DB48040-E661-46D2-88FD-DBA3F14FBA57}"/>
+              </a:ext>
+            </a:extLst>
+          </p:cNvPr>
+          <p:cNvPicPr>
+            <a:picLocks noChangeAspect="1"/>
+          </p:cNvPicPr>
+          <p:nvPr/>
+        </p:nvPicPr>
+        <p:blipFill>
+          <a:blip r:embed="rId2"/>
+          <a:stretch>
+            <a:fillRect/>
+          </a:stretch>
+        </p:blipFill>
+        <p:spPr>
+          <a:xfrm>
+            <a:off x="1053698" y="3869010"/>
+            <a:ext cx="10084603" cy="2095394"/>
+          </a:xfrm>
+          <a:prstGeom prst="rect">
+            <a:avLst/>
+          </a:prstGeom>
+        </p:spPr>
+      </p:pic>
+    </p:spTree>
+    <p:extLst>
+      <p:ext uri="{BB962C8B-B14F-4D97-AF65-F5344CB8AC3E}">
+        <p14:creationId xmlns:p14="http://schemas.microsoft.com/office/powerpoint/2010/main" val="679115050"/>
+      </p:ext>
+    </p:extLst>
+  </p:cSld>
+  <p:clrMapOvr>
+    <a:masterClrMapping/>
+  </p:clrMapOvr>
+</p:sld>
+</file>
+
+<file path=ppt/slides/slide8.xml><?xml version="1.0" encoding="utf-8"?>
+<p:sld xmlns:a="http://schemas.openxmlformats.org/drawingml/2006/main" xmlns:r="http://schemas.openxmlformats.org/officeDocument/2006/relationships" xmlns:p="http://schemas.openxmlformats.org/presentationml/2006/main">
+  <p:cSld>
+    <p:spTree>
+      <p:nvGrpSpPr>
+        <p:cNvPr id="1" name=""/>
+        <p:cNvGrpSpPr/>
+        <p:nvPr/>
+      </p:nvGrpSpPr>
+      <p:grpSpPr>
+        <a:xfrm>
+          <a:off x="0" y="0"/>
+          <a:ext cx="0" cy="0"/>
+          <a:chOff x="0" y="0"/>
+          <a:chExt cx="0" cy="0"/>
+        </a:xfrm>
+      </p:grpSpPr>
+      <p:sp>
+        <p:nvSpPr>
+          <p:cNvPr id="2" name="Titel 1">
+            <a:extLst>
+              <a:ext uri="{FF2B5EF4-FFF2-40B4-BE49-F238E27FC236}">
+                <a16:creationId xmlns:a16="http://schemas.microsoft.com/office/drawing/2014/main" id="{C3E63A74-1AD2-47A9-99FA-1F7548417496}"/>
+              </a:ext>
+            </a:extLst>
+          </p:cNvPr>
+          <p:cNvSpPr>
+            <a:spLocks noGrp="1"/>
+          </p:cNvSpPr>
+          <p:nvPr>
+            <p:ph type="title"/>
+          </p:nvPr>
+        </p:nvSpPr>
+        <p:spPr/>
+        <p:txBody>
+          <a:bodyPr/>
+          <a:lstStyle/>
+          <a:p>
+            <a:r>
+              <a:rPr lang="de-AT" dirty="0" err="1"/>
+              <a:t>Changes</a:t>
+            </a:r>
+            <a:r>
+              <a:rPr lang="de-AT" dirty="0"/>
+              <a:t> 2</a:t>
+            </a:r>
+          </a:p>
+        </p:txBody>
+      </p:sp>
+      <p:pic>
+        <p:nvPicPr>
+          <p:cNvPr id="5" name="Inhaltsplatzhalter 4">
+            <a:extLst>
+              <a:ext uri="{FF2B5EF4-FFF2-40B4-BE49-F238E27FC236}">
+                <a16:creationId xmlns:a16="http://schemas.microsoft.com/office/drawing/2014/main" id="{13C0B8C6-7F83-46BF-8F52-BBC0E3F56830}"/>
+              </a:ext>
+            </a:extLst>
+          </p:cNvPr>
+          <p:cNvPicPr>
+            <a:picLocks noGrp="1" noChangeAspect="1"/>
+          </p:cNvPicPr>
+          <p:nvPr>
+            <p:ph idx="1"/>
+          </p:nvPr>
+        </p:nvPicPr>
+        <p:blipFill>
+          <a:blip r:embed="rId2"/>
+          <a:stretch>
+            <a:fillRect/>
+          </a:stretch>
+        </p:blipFill>
+        <p:spPr>
+          <a:xfrm>
+            <a:off x="1915741" y="1825625"/>
+            <a:ext cx="8360518" cy="4351338"/>
+          </a:xfrm>
+        </p:spPr>
+      </p:pic>
+    </p:spTree>
+    <p:extLst>
+      <p:ext uri="{BB962C8B-B14F-4D97-AF65-F5344CB8AC3E}">
+        <p14:creationId xmlns:p14="http://schemas.microsoft.com/office/powerpoint/2010/main" val="1393993889"/>
+      </p:ext>
+    </p:extLst>
+  </p:cSld>
+  <p:clrMapOvr>
+    <a:masterClrMapping/>
+  </p:clrMapOvr>
+</p:sld>
+</file>
+
+<file path=ppt/slides/slide9.xml><?xml version="1.0" encoding="utf-8"?>
+<p:sld xmlns:a="http://schemas.openxmlformats.org/drawingml/2006/main" xmlns:r="http://schemas.openxmlformats.org/officeDocument/2006/relationships" xmlns:p="http://schemas.openxmlformats.org/presentationml/2006/main">
+  <p:cSld>
+    <p:spTree>
+      <p:nvGrpSpPr>
+        <p:cNvPr id="1" name=""/>
+        <p:cNvGrpSpPr/>
+        <p:nvPr/>
+      </p:nvGrpSpPr>
+      <p:grpSpPr>
+        <a:xfrm>
+          <a:off x="0" y="0"/>
+          <a:ext cx="0" cy="0"/>
+          <a:chOff x="0" y="0"/>
+          <a:chExt cx="0" cy="0"/>
+        </a:xfrm>
+      </p:grpSpPr>
+      <p:sp>
+        <p:nvSpPr>
+          <p:cNvPr id="2" name="Titel 1">
+            <a:extLst>
+              <a:ext uri="{FF2B5EF4-FFF2-40B4-BE49-F238E27FC236}">
+                <a16:creationId xmlns:a16="http://schemas.microsoft.com/office/drawing/2014/main" id="{A6CE8E89-5A58-4476-90B2-8BA7B83D8281}"/>
+              </a:ext>
+            </a:extLst>
+          </p:cNvPr>
+          <p:cNvSpPr>
+            <a:spLocks noGrp="1"/>
+          </p:cNvSpPr>
+          <p:nvPr>
+            <p:ph type="title"/>
+          </p:nvPr>
+        </p:nvSpPr>
+        <p:spPr/>
+        <p:txBody>
+          <a:bodyPr/>
+          <a:lstStyle/>
+          <a:p>
+            <a:r>
+              <a:rPr lang="de-AT" dirty="0"/>
+              <a:t>.</a:t>
+            </a:r>
+            <a:r>
+              <a:rPr lang="de-AT" dirty="0" err="1"/>
+              <a:t>gitignore</a:t>
+            </a:r>
+            <a:endParaRPr lang="de-AT" dirty="0"/>
+          </a:p>
+        </p:txBody>
+      </p:sp>
+      <p:pic>
+        <p:nvPicPr>
+          <p:cNvPr id="5" name="Inhaltsplatzhalter 4">
+            <a:extLst>
+              <a:ext uri="{FF2B5EF4-FFF2-40B4-BE49-F238E27FC236}">
+                <a16:creationId xmlns:a16="http://schemas.microsoft.com/office/drawing/2014/main" id="{319FE460-BFEF-4EA2-AFEC-65EBCEDDC138}"/>
+              </a:ext>
+            </a:extLst>
+          </p:cNvPr>
+          <p:cNvPicPr>
+            <a:picLocks noGrp="1" noChangeAspect="1"/>
+          </p:cNvPicPr>
+          <p:nvPr>
+            <p:ph idx="1"/>
+          </p:nvPr>
+        </p:nvPicPr>
+        <p:blipFill>
+          <a:blip r:embed="rId2"/>
+          <a:stretch>
+            <a:fillRect/>
+          </a:stretch>
+        </p:blipFill>
+        <p:spPr>
+          <a:xfrm>
+            <a:off x="838200" y="1887818"/>
+            <a:ext cx="10515600" cy="4226951"/>
+          </a:xfrm>
+        </p:spPr>
+      </p:pic>
+    </p:spTree>
+    <p:extLst>
+      <p:ext uri="{BB962C8B-B14F-4D97-AF65-F5344CB8AC3E}">
+        <p14:creationId xmlns:p14="http://schemas.microsoft.com/office/powerpoint/2010/main" val="4002105633"/>
       </p:ext>
     </p:extLst>
   </p:cSld>
